--- a/doc/documentation.pptx
+++ b/doc/documentation.pptx
@@ -117,6 +117,11 @@
       </a:defRPr>
     </a:lvl9pPr>
   </p:defaultTextStyle>
+  <p:extLst>
+    <p:ext uri="{EFAFB233-063F-42B5-8137-9DF3F51BA10A}">
+      <p15:sldGuideLst xmlns:p15="http://schemas.microsoft.com/office/powerpoint/2012/main"/>
+    </p:ext>
+  </p:extLst>
 </p:presentation>
 </file>
 
@@ -202,7 +207,7 @@
           <a:p>
             <a:fld id="{18BABFFB-5334-44C3-B300-1D1CF00049FE}" type="datetimeFigureOut">
               <a:rPr lang="en-US" smtClean="0"/>
-              <a:t>7/7/2025</a:t>
+              <a:t>7/8/2025</a:t>
             </a:fld>
             <a:endParaRPr lang="en-US"/>
           </a:p>
@@ -8127,7 +8132,19 @@
               <a:rPr lang="en-US" sz="2400" dirty="0">
                 <a:latin typeface="Trebuchet MS" panose="020B0603020202020204" pitchFamily="34" charset="0"/>
               </a:rPr>
-              <a:t>Credit Card: Targeting top 15% yields 50% response, 2.35× better than random, with decent prediction confidence (ECE 0.14).</a:t>
+              <a:t>Credit Card (</a:t>
+            </a:r>
+            <a:r>
+              <a:rPr lang="en-US" sz="2400" dirty="0" err="1">
+                <a:latin typeface="Trebuchet MS" panose="020B0603020202020204" pitchFamily="34" charset="0"/>
+              </a:rPr>
+              <a:t>xgboost</a:t>
+            </a:r>
+            <a:r>
+              <a:rPr lang="en-US" sz="2400" dirty="0">
+                <a:latin typeface="Trebuchet MS" panose="020B0603020202020204" pitchFamily="34" charset="0"/>
+              </a:rPr>
+              <a:t>): Targeting top 15% yields 50% response, 2.35× better than random, with decent prediction confidence (ECE 0.14).</a:t>
             </a:r>
           </a:p>
           <a:p>
@@ -8139,7 +8156,7 @@
               <a:rPr lang="en-US" sz="2400" dirty="0">
                 <a:latin typeface="Trebuchet MS" panose="020B0603020202020204" pitchFamily="34" charset="0"/>
               </a:rPr>
-              <a:t>Consumer Loan: Top 15% targeting gives 57% response, 2.07× lift, and very reliable predictions (ECE 0.05).</a:t>
+              <a:t>Consumer Loan (random forest): Top 15% targeting gives 57% response, 2.07× lift, and very reliable predictions (ECE 0.05).</a:t>
             </a:r>
           </a:p>
           <a:p>
@@ -8151,7 +8168,25 @@
               <a:rPr lang="en-US" sz="2400" dirty="0">
                 <a:latin typeface="Trebuchet MS" panose="020B0603020202020204" pitchFamily="34" charset="0"/>
               </a:rPr>
-              <a:t>Mutual Fund: Top 15% targeting gets 43% response, 1.49× lift, decent separation (AUC 0.66), moderate prediction confidence (ECE 0.18).</a:t>
+              <a:t>Mutual Fund (</a:t>
+            </a:r>
+            <a:r>
+              <a:rPr lang="en-US" sz="2400" dirty="0" err="1">
+                <a:latin typeface="Trebuchet MS" panose="020B0603020202020204" pitchFamily="34" charset="0"/>
+              </a:rPr>
+              <a:t>xgboost</a:t>
+            </a:r>
+            <a:r>
+              <a:rPr lang="en-US" sz="2400">
+                <a:latin typeface="Trebuchet MS" panose="020B0603020202020204" pitchFamily="34" charset="0"/>
+              </a:rPr>
+              <a:t>): </a:t>
+            </a:r>
+            <a:r>
+              <a:rPr lang="en-US" sz="2400" dirty="0">
+                <a:latin typeface="Trebuchet MS" panose="020B0603020202020204" pitchFamily="34" charset="0"/>
+              </a:rPr>
+              <a:t>Top 15% targeting gets 43% response, 1.49× lift, decent separation (AUC 0.66), moderate prediction confidence (ECE 0.18).</a:t>
             </a:r>
             <a:endParaRPr lang="en-US" sz="2400" dirty="0"/>
           </a:p>

--- a/doc/documentation.pptx
+++ b/doc/documentation.pptx
@@ -8323,14 +8323,14 @@
           <p:nvPr>
             <p:extLst>
               <p:ext uri="{D42A27DB-BD31-4B8C-83A1-F6EECF244321}">
-                <p14:modId xmlns:p14="http://schemas.microsoft.com/office/powerpoint/2010/main" val="492456373"/>
+                <p14:modId xmlns:p14="http://schemas.microsoft.com/office/powerpoint/2010/main" val="2813125333"/>
               </p:ext>
             </p:extLst>
           </p:nvPr>
         </p:nvGraphicFramePr>
         <p:xfrm>
           <a:off x="462280" y="1029838"/>
-          <a:ext cx="11267440" cy="5588000"/>
+          <a:ext cx="11267440" cy="5435600"/>
         </p:xfrm>
         <a:graphic>
           <a:graphicData uri="http://schemas.openxmlformats.org/drawingml/2006/table">
@@ -8368,7 +8368,7 @@
                     <a:lstStyle/>
                     <a:p>
                       <a:r>
-                        <a:rPr lang="en-US" dirty="0"/>
+                        <a:rPr lang="en-US" sz="1600" dirty="0"/>
                         <a:t>Exploratory Step</a:t>
                       </a:r>
                     </a:p>
@@ -8381,7 +8381,7 @@
                     <a:lstStyle/>
                     <a:p>
                       <a:r>
-                        <a:rPr lang="en-US" dirty="0"/>
+                        <a:rPr lang="en-US" sz="1600" dirty="0"/>
                         <a:t>Rationale</a:t>
                       </a:r>
                     </a:p>
@@ -8394,7 +8394,7 @@
                     <a:lstStyle/>
                     <a:p>
                       <a:r>
-                        <a:rPr lang="en-US" dirty="0"/>
+                        <a:rPr lang="en-US" sz="1600" dirty="0"/>
                         <a:t>Result</a:t>
                       </a:r>
                     </a:p>
@@ -8431,7 +8431,7 @@
                         <a:defRPr/>
                       </a:pPr>
                       <a:r>
-                        <a:rPr lang="en-US" sz="1800" dirty="0">
+                        <a:rPr lang="en-US" sz="1600" dirty="0">
                           <a:latin typeface="Trebuchet MS" panose="020B0603020202020204" pitchFamily="34" charset="0"/>
                         </a:rPr>
                         <a:t>Missing values check</a:t>
@@ -8446,12 +8446,12 @@
                     <a:lstStyle/>
                     <a:p>
                       <a:r>
-                        <a:rPr lang="en-US" sz="1800" dirty="0">
+                        <a:rPr lang="en-US" sz="1600" dirty="0">
                           <a:latin typeface="Trebuchet MS" panose="020B0603020202020204" pitchFamily="34" charset="0"/>
                         </a:rPr>
                         <a:t>Missing values need to be dropped or treated.</a:t>
                       </a:r>
-                      <a:endParaRPr lang="en-US" dirty="0"/>
+                      <a:endParaRPr lang="en-US" sz="1600" dirty="0"/>
                     </a:p>
                   </a:txBody>
                   <a:tcPr/>
@@ -8466,7 +8466,7 @@
                         <a:buChar char="-"/>
                       </a:pPr>
                       <a:r>
-                        <a:rPr lang="en-US" dirty="0"/>
+                        <a:rPr lang="en-US" sz="1600" dirty="0"/>
                         <a:t>New customer may have “missing” transaction data</a:t>
                       </a:r>
                     </a:p>
@@ -8476,7 +8476,7 @@
                         <a:buChar char="-"/>
                       </a:pPr>
                       <a:r>
-                        <a:rPr lang="en-US" dirty="0"/>
+                        <a:rPr lang="en-US" sz="1600" dirty="0"/>
                         <a:t>Sex has 2 rows of missing information</a:t>
                       </a:r>
                     </a:p>
@@ -8513,7 +8513,7 @@
                         <a:defRPr/>
                       </a:pPr>
                       <a:r>
-                        <a:rPr lang="en-US" sz="1800" dirty="0">
+                        <a:rPr lang="en-US" sz="1600" dirty="0">
                           <a:latin typeface="Trebuchet MS" panose="020B0603020202020204" pitchFamily="34" charset="0"/>
                         </a:rPr>
                         <a:t>Outlier analysis using IQR</a:t>
@@ -8528,7 +8528,7 @@
                     <a:lstStyle/>
                     <a:p>
                       <a:r>
-                        <a:rPr lang="en-US" dirty="0"/>
+                        <a:rPr lang="en-US" sz="1600" dirty="0"/>
                         <a:t>Outliers may negatively impact the performance of some models</a:t>
                       </a:r>
                     </a:p>
@@ -8541,7 +8541,7 @@
                     <a:lstStyle/>
                     <a:p>
                       <a:r>
-                        <a:rPr lang="en-US" dirty="0"/>
+                        <a:rPr lang="en-US" sz="1600" dirty="0"/>
                         <a:t>- Several transaction data have large “outlier” values</a:t>
                       </a:r>
                     </a:p>
@@ -8578,7 +8578,7 @@
                         <a:defRPr/>
                       </a:pPr>
                       <a:r>
-                        <a:rPr lang="en-US" sz="1800" dirty="0">
+                        <a:rPr lang="en-US" sz="1600" dirty="0">
                           <a:latin typeface="Trebuchet MS" panose="020B0603020202020204" pitchFamily="34" charset="0"/>
                         </a:rPr>
                         <a:t>Predictive strength with labels using mutual information</a:t>
@@ -8593,7 +8593,7 @@
                     <a:lstStyle/>
                     <a:p>
                       <a:r>
-                        <a:rPr lang="en-US" dirty="0"/>
+                        <a:rPr lang="en-US" sz="1600" dirty="0"/>
                         <a:t>Can aid in feature selection to help alleviate overfitting</a:t>
                       </a:r>
                     </a:p>
@@ -8606,11 +8606,11 @@
                     <a:lstStyle/>
                     <a:p>
                       <a:r>
-                        <a:rPr lang="en-US" dirty="0"/>
+                        <a:rPr lang="en-US" sz="1600" dirty="0"/>
                         <a:t>Most predictive features for </a:t>
                       </a:r>
                       <a:r>
-                        <a:rPr lang="en-US" sz="1800" b="0" i="0" kern="1200" dirty="0">
+                        <a:rPr lang="en-US" sz="1600" b="0" i="0" kern="1200" dirty="0">
                           <a:solidFill>
                             <a:schemeClr val="tx1"/>
                           </a:solidFill>
@@ -8621,7 +8621,7 @@
                         </a:rPr>
                         <a:t>MF: , for CC , for CL</a:t>
                       </a:r>
-                      <a:endParaRPr lang="en-US" dirty="0"/>
+                      <a:endParaRPr lang="en-US" sz="1600" dirty="0"/>
                     </a:p>
                   </a:txBody>
                   <a:tcPr/>
@@ -8656,7 +8656,7 @@
                         <a:defRPr/>
                       </a:pPr>
                       <a:r>
-                        <a:rPr lang="en-US" sz="1800" dirty="0">
+                        <a:rPr lang="en-US" sz="1600" dirty="0">
                           <a:latin typeface="Trebuchet MS" panose="020B0603020202020204" pitchFamily="34" charset="0"/>
                         </a:rPr>
                         <a:t>Correlation between labels</a:t>
@@ -8671,7 +8671,7 @@
                     <a:lstStyle/>
                     <a:p>
                       <a:r>
-                        <a:rPr lang="en-US" dirty="0"/>
+                        <a:rPr lang="en-US" sz="1600" dirty="0"/>
                         <a:t>Labels too correlated might be de-prioritized to reduce overfitting</a:t>
                       </a:r>
                     </a:p>
@@ -8684,13 +8684,13 @@
                     <a:lstStyle/>
                     <a:p>
                       <a:r>
-                        <a:rPr lang="en-US" dirty="0"/>
+                        <a:rPr lang="en-US" sz="1600" dirty="0"/>
                         <a:t>Transaction/balances data are correlated</a:t>
                       </a:r>
                     </a:p>
                     <a:p>
                       <a:r>
-                        <a:rPr lang="en-US" dirty="0"/>
+                        <a:rPr lang="en-US" sz="1600" dirty="0"/>
                         <a:t>May consider future feature engineering to drop or aggregate this data</a:t>
                       </a:r>
                     </a:p>
@@ -8727,7 +8727,7 @@
                         <a:defRPr/>
                       </a:pPr>
                       <a:r>
-                        <a:rPr lang="en-US" sz="1800" dirty="0">
+                        <a:rPr lang="en-US" sz="1600" dirty="0">
                           <a:latin typeface="Trebuchet MS" panose="020B0603020202020204" pitchFamily="34" charset="0"/>
                         </a:rPr>
                         <a:t>Age-Tenure Check</a:t>
@@ -8742,7 +8742,7 @@
                     <a:lstStyle/>
                     <a:p>
                       <a:r>
-                        <a:rPr lang="en-US" dirty="0"/>
+                        <a:rPr lang="en-US" sz="1600" dirty="0"/>
                         <a:t>Business logic check </a:t>
                       </a:r>
                     </a:p>
@@ -8755,7 +8755,7 @@
                     <a:lstStyle/>
                     <a:p>
                       <a:r>
-                        <a:rPr lang="en-US" dirty="0"/>
+                        <a:rPr lang="en-US" sz="1600" dirty="0"/>
                         <a:t>34 samples which tenure exceeds age.</a:t>
                       </a:r>
                     </a:p>
@@ -8792,7 +8792,7 @@
                         <a:defRPr/>
                       </a:pPr>
                       <a:r>
-                        <a:rPr lang="en-US" sz="1800" dirty="0">
+                        <a:rPr lang="en-US" sz="1600" dirty="0">
                           <a:latin typeface="Trebuchet MS" panose="020B0603020202020204" pitchFamily="34" charset="0"/>
                         </a:rPr>
                         <a:t>To perform a distribution check (KS Test) between clients with labels and without labels</a:t>
@@ -8807,7 +8807,7 @@
                     <a:lstStyle/>
                     <a:p>
                       <a:r>
-                        <a:rPr lang="en-US" dirty="0"/>
+                        <a:rPr lang="en-US" sz="1600" dirty="0"/>
                         <a:t>Not all points are labelled</a:t>
                       </a:r>
                     </a:p>
@@ -8820,24 +8820,12 @@
                     <a:lstStyle/>
                     <a:p>
                       <a:r>
-                        <a:rPr lang="en-US" dirty="0"/>
-                        <a:t>- </a:t>
-                      </a:r>
-                      <a:r>
-                        <a:rPr lang="en-US" dirty="0" err="1"/>
+                        <a:rPr lang="en-US" sz="1600" dirty="0" err="1"/>
                         <a:t>ActBal_CA</a:t>
                       </a:r>
                       <a:r>
-                        <a:rPr lang="en-US" dirty="0"/>
-                        <a:t> might have deviation. To perform further business / monitoring checks but included for modelling at the </a:t>
-                      </a:r>
-                      <a:r>
-                        <a:rPr lang="en-US" dirty="0" err="1"/>
-                        <a:t>moement</a:t>
-                      </a:r>
-                      <a:r>
-                        <a:rPr lang="en-US" dirty="0"/>
-                        <a:t>.</a:t>
+                        <a:rPr lang="en-US" sz="1600" dirty="0"/>
+                        <a:t> might have deviation. To perform further business / monitoring checks but included for modelling at the moment.</a:t>
                       </a:r>
                     </a:p>
                   </a:txBody>
@@ -8846,6 +8834,71 @@
                 <a:extLst>
                   <a:ext uri="{0D108BD9-81ED-4DB2-BD59-A6C34878D82A}">
                     <a16:rowId xmlns:a16="http://schemas.microsoft.com/office/drawing/2014/main" val="4062570695"/>
+                  </a:ext>
+                </a:extLst>
+              </a:tr>
+              <a:tr h="370840">
+                <a:tc>
+                  <a:txBody>
+                    <a:bodyPr/>
+                    <a:lstStyle/>
+                    <a:p>
+                      <a:pPr marL="0" marR="0" lvl="0" indent="0" algn="l" defTabSz="457200" rtl="0" eaLnBrk="1" fontAlgn="auto" latinLnBrk="0" hangingPunct="1">
+                        <a:lnSpc>
+                          <a:spcPct val="100000"/>
+                        </a:lnSpc>
+                        <a:spcBef>
+                          <a:spcPts val="0"/>
+                        </a:spcBef>
+                        <a:spcAft>
+                          <a:spcPts val="0"/>
+                        </a:spcAft>
+                        <a:buClrTx/>
+                        <a:buSzTx/>
+                        <a:buFontTx/>
+                        <a:buNone/>
+                        <a:tabLst/>
+                        <a:defRPr/>
+                      </a:pPr>
+                      <a:r>
+                        <a:rPr lang="en-US" sz="1600" dirty="0">
+                          <a:latin typeface="Trebuchet MS" panose="020B0603020202020204" pitchFamily="34" charset="0"/>
+                        </a:rPr>
+                        <a:t>Label distribution</a:t>
+                      </a:r>
+                    </a:p>
+                  </a:txBody>
+                  <a:tcPr/>
+                </a:tc>
+                <a:tc>
+                  <a:txBody>
+                    <a:bodyPr/>
+                    <a:lstStyle/>
+                    <a:p>
+                      <a:r>
+                        <a:rPr lang="en-US" sz="1600" dirty="0"/>
+                        <a:t>Imbalanced classes may result in poor model performance.</a:t>
+                      </a:r>
+                    </a:p>
+                  </a:txBody>
+                  <a:tcPr/>
+                </a:tc>
+                <a:tc>
+                  <a:txBody>
+                    <a:bodyPr/>
+                    <a:lstStyle/>
+                    <a:p>
+                      <a:r>
+                        <a:rPr lang="en-US" sz="1600" dirty="0"/>
+                        <a:t>None of the classes are majorly imbalanced (at most 20%), but future augmentation can be considered.</a:t>
+                      </a:r>
+                    </a:p>
+                  </a:txBody>
+                  <a:tcPr/>
+                </a:tc>
+                <a:extLst>
+                  <a:ext uri="{0D108BD9-81ED-4DB2-BD59-A6C34878D82A}">
+                    <a16:rowId xmlns:a16="http://schemas.microsoft.com/office/drawing/2014/main" val="2034567400"/>
                   </a:ext>
                 </a:extLst>
               </a:tr>

--- a/doc/documentation.pptx
+++ b/doc/documentation.pptx
@@ -207,7 +207,7 @@
           <a:p>
             <a:fld id="{18BABFFB-5334-44C3-B300-1D1CF00049FE}" type="datetimeFigureOut">
               <a:rPr lang="en-US" smtClean="0"/>
-              <a:t>7/8/2025</a:t>
+              <a:t>7/9/2025</a:t>
             </a:fld>
             <a:endParaRPr lang="en-US"/>
           </a:p>
@@ -11026,8 +11026,12 @@
               <a:buChar char="•"/>
             </a:pPr>
             <a:r>
+              <a:rPr lang="en-US" b="1" dirty="0"/>
+              <a:t>Top15 Precision / Lift</a:t>
+            </a:r>
+            <a:r>
               <a:rPr lang="en-US" dirty="0"/>
-              <a:t>Top15 Precision / Lift: Directly measures accuracy on target subset (top 15%) for maximum ROI.</a:t>
+              <a:t>: Directly measures accuracy on target subset (top 15%) for maximum ROI.</a:t>
             </a:r>
           </a:p>
           <a:p>
@@ -11036,8 +11040,12 @@
               <a:buChar char="•"/>
             </a:pPr>
             <a:r>
+              <a:rPr lang="en-US" b="1" dirty="0"/>
+              <a:t>AUC</a:t>
+            </a:r>
+            <a:r>
               <a:rPr lang="en-US" dirty="0"/>
-              <a:t>AUC: Ensures good overall ranking of prospects for flexible thresholding.</a:t>
+              <a:t>: Ensures good overall ranking of prospects for flexible thresholding.</a:t>
             </a:r>
           </a:p>
           <a:p>
@@ -11046,8 +11054,12 @@
               <a:buChar char="•"/>
             </a:pPr>
             <a:r>
+              <a:rPr lang="en-US" b="1" dirty="0"/>
+              <a:t>Expected Calibration Error</a:t>
+            </a:r>
+            <a:r>
               <a:rPr lang="en-US" dirty="0"/>
-              <a:t>Expected Calibration Error (ECE): Ensures predicted probabilities are reliable for revenue optimization.</a:t>
+              <a:t>: Ensures predicted probabilities are reliable for revenue optimization.</a:t>
             </a:r>
           </a:p>
         </p:txBody>

--- a/doc/documentation.pptx
+++ b/doc/documentation.pptx
@@ -207,7 +207,7 @@
           <a:p>
             <a:fld id="{18BABFFB-5334-44C3-B300-1D1CF00049FE}" type="datetimeFigureOut">
               <a:rPr lang="en-US" smtClean="0"/>
-              <a:t>7/9/2025</a:t>
+              <a:t>7/10/2025</a:t>
             </a:fld>
             <a:endParaRPr lang="en-US"/>
           </a:p>
@@ -11045,7 +11045,7 @@
             </a:r>
             <a:r>
               <a:rPr lang="en-US" dirty="0"/>
-              <a:t>: Ensures good overall ranking of prospects for flexible thresholding.</a:t>
+              <a:t>: Ensures good overall ranking of prospects.</a:t>
             </a:r>
           </a:p>
           <a:p>

--- a/doc/documentation.pptx
+++ b/doc/documentation.pptx
@@ -8323,7 +8323,7 @@
           <p:nvPr>
             <p:extLst>
               <p:ext uri="{D42A27DB-BD31-4B8C-83A1-F6EECF244321}">
-                <p14:modId xmlns:p14="http://schemas.microsoft.com/office/powerpoint/2010/main" val="2813125333"/>
+                <p14:modId xmlns:p14="http://schemas.microsoft.com/office/powerpoint/2010/main" val="486335513"/>
               </p:ext>
             </p:extLst>
           </p:nvPr>
@@ -8605,22 +8605,6 @@
                     <a:bodyPr/>
                     <a:lstStyle/>
                     <a:p>
-                      <a:r>
-                        <a:rPr lang="en-US" sz="1600" dirty="0"/>
-                        <a:t>Most predictive features for </a:t>
-                      </a:r>
-                      <a:r>
-                        <a:rPr lang="en-US" sz="1600" b="0" i="0" kern="1200" dirty="0">
-                          <a:solidFill>
-                            <a:schemeClr val="tx1"/>
-                          </a:solidFill>
-                          <a:effectLst/>
-                          <a:latin typeface="+mn-lt"/>
-                          <a:ea typeface="+mn-ea"/>
-                          <a:cs typeface="+mn-cs"/>
-                        </a:rPr>
-                        <a:t>MF: , for CC , for CL</a:t>
-                      </a:r>
                       <a:endParaRPr lang="en-US" sz="1600" dirty="0"/>
                     </a:p>
                   </a:txBody>

--- a/doc/documentation.pptx
+++ b/doc/documentation.pptx
@@ -10991,8 +10991,8 @@
         </p:nvSpPr>
         <p:spPr>
           <a:xfrm>
-            <a:off x="738272" y="1016889"/>
-            <a:ext cx="11180538" cy="923330"/>
+            <a:off x="666136" y="980164"/>
+            <a:ext cx="11180538" cy="1200329"/>
           </a:xfrm>
           <a:prstGeom prst="rect">
             <a:avLst/>
@@ -11005,6 +11005,12 @@
           </a:bodyPr>
           <a:lstStyle/>
           <a:p>
+            <a:r>
+              <a:rPr lang="en-US" b="1" dirty="0"/>
+              <a:t>Top Metrics:</a:t>
+            </a:r>
+          </a:p>
+          <a:p>
             <a:pPr marL="285750" indent="-285750">
               <a:buFont typeface="Arial" panose="020B0604020202020204" pitchFamily="34" charset="0"/>
               <a:buChar char="•"/>
@@ -11025,26 +11031,15 @@
             </a:pPr>
             <a:r>
               <a:rPr lang="en-US" b="1" dirty="0"/>
-              <a:t>AUC</a:t>
-            </a:r>
-            <a:r>
-              <a:rPr lang="en-US" dirty="0"/>
-              <a:t>: Ensures good overall ranking of prospects.</a:t>
-            </a:r>
-          </a:p>
-          <a:p>
-            <a:pPr marL="285750" indent="-285750">
-              <a:buFont typeface="Arial" panose="020B0604020202020204" pitchFamily="34" charset="0"/>
-              <a:buChar char="•"/>
-            </a:pPr>
-            <a:r>
-              <a:rPr lang="en-US" b="1" dirty="0"/>
               <a:t>Expected Calibration Error</a:t>
             </a:r>
             <a:r>
               <a:rPr lang="en-US" dirty="0"/>
               <a:t>: Ensures predicted probabilities are reliable for revenue optimization.</a:t>
             </a:r>
+          </a:p>
+          <a:p>
+            <a:endParaRPr lang="en-US" dirty="0"/>
           </a:p>
         </p:txBody>
       </p:sp>
